--- a/课件/Chapter1/Chapter1 Java语言特点.pptx
+++ b/课件/Chapter1/Chapter1 Java语言特点.pptx
@@ -7,6 +7,8 @@
   <p:sldIdLst>
     <p:sldId id="257" r:id="rId2"/>
     <p:sldId id="258" r:id="rId3"/>
+    <p:sldId id="259" r:id="rId4"/>
+    <p:sldId id="260" r:id="rId5"/>
   </p:sldIdLst>
   <p:sldSz cx="9144000" cy="6858000" type="screen4x3"/>
   <p:notesSz cx="6858000" cy="9144000"/>
@@ -105,6 +107,22 @@
       </a:defRPr>
     </a:lvl9pPr>
   </p:defaultTextStyle>
+  <p:extLst>
+    <p:ext uri="{EFAFB233-063F-42B5-8137-9DF3F51BA10A}">
+      <p15:sldGuideLst xmlns:p15="http://schemas.microsoft.com/office/powerpoint/2012/main">
+        <p15:guide id="1" orient="horz" pos="2160">
+          <p15:clr>
+            <a:srgbClr val="A4A3A4"/>
+          </p15:clr>
+        </p15:guide>
+        <p15:guide id="2" pos="2880">
+          <p15:clr>
+            <a:srgbClr val="A4A3A4"/>
+          </p15:clr>
+        </p15:guide>
+      </p15:sldGuideLst>
+    </p:ext>
+  </p:extLst>
 </p:presentation>
 </file>
 
@@ -3145,8 +3163,16 @@
           <a:lstStyle/>
           <a:p>
             <a:r>
-              <a:rPr lang="zh-CN" altLang="en-US" sz="1800" dirty="0" smtClean="0"/>
-              <a:t>何为计算语言？</a:t>
+              <a:rPr lang="zh-CN" altLang="en-US" sz="1800" dirty="0"/>
+              <a:t>什么是</a:t>
+            </a:r>
+            <a:r>
+              <a:rPr lang="zh-CN" altLang="en-US" sz="1800" dirty="0" smtClean="0"/>
+              <a:t>计</a:t>
+            </a:r>
+            <a:r>
+              <a:rPr lang="zh-CN" altLang="en-US" sz="1800" dirty="0" smtClean="0"/>
+              <a:t>算语言？</a:t>
             </a:r>
             <a:endParaRPr lang="en-US" altLang="zh-CN" sz="1800" dirty="0" smtClean="0"/>
           </a:p>
@@ -3254,7 +3280,25 @@
             </a:r>
             <a:r>
               <a:rPr lang="zh-CN" altLang="en-US" sz="1800" dirty="0" smtClean="0"/>
-              <a:t>类是实现封装的一种方式，包是类的集合</a:t>
+              <a:t>类是实现封装的一种方式，包是类的集</a:t>
+            </a:r>
+            <a:r>
+              <a:rPr lang="zh-CN" altLang="en-US" sz="1800" dirty="0" smtClean="0"/>
+              <a:t>合</a:t>
+            </a:r>
+            <a:endParaRPr lang="en-US" altLang="zh-CN" sz="1800" dirty="0" smtClean="0"/>
+          </a:p>
+          <a:p>
+            <a:pPr marL="0" indent="0">
+              <a:buNone/>
+            </a:pPr>
+            <a:r>
+              <a:rPr lang="en-US" altLang="zh-CN" sz="1800" dirty="0"/>
+              <a:t>	</a:t>
+            </a:r>
+            <a:r>
+              <a:rPr lang="zh-CN" altLang="en-US" sz="1800" dirty="0" smtClean="0"/>
+              <a:t>类首字母大写，包首字母小写</a:t>
             </a:r>
             <a:endParaRPr lang="en-US" altLang="zh-CN" sz="1800" dirty="0" smtClean="0"/>
           </a:p>
@@ -3334,12 +3378,12 @@
           <a:lstStyle/>
           <a:p>
             <a:r>
-              <a:rPr lang="en-US" altLang="zh-CN" sz="1800" dirty="0" smtClean="0"/>
-              <a:t>Javadoc</a:t>
-            </a:r>
-            <a:r>
-              <a:rPr lang="zh-CN" altLang="en-US" sz="1800" dirty="0" smtClean="0"/>
-              <a:t>注释</a:t>
+              <a:rPr lang="zh-CN" altLang="en-US" sz="1800" dirty="0"/>
+              <a:t>标识</a:t>
+            </a:r>
+            <a:r>
+              <a:rPr lang="zh-CN" altLang="en-US" sz="1800" dirty="0" smtClean="0"/>
+              <a:t>符</a:t>
             </a:r>
             <a:endParaRPr lang="en-US" altLang="zh-CN" sz="1800" dirty="0" smtClean="0"/>
           </a:p>
@@ -3348,8 +3392,338 @@
               <a:buNone/>
             </a:pPr>
             <a:r>
-              <a:rPr lang="en-US" altLang="zh-CN" sz="1800"/>
+              <a:rPr lang="en-US" altLang="zh-CN" sz="1800" dirty="0"/>
               <a:t>	</a:t>
+            </a:r>
+            <a:r>
+              <a:rPr lang="zh-CN" altLang="en-US" sz="1800" dirty="0" smtClean="0"/>
+              <a:t>用于表示变量、参数、方法或者类的名字</a:t>
+            </a:r>
+            <a:endParaRPr lang="en-US" altLang="zh-CN" sz="1800" dirty="0" smtClean="0"/>
+          </a:p>
+          <a:p>
+            <a:pPr marL="0" indent="0">
+              <a:buNone/>
+            </a:pPr>
+            <a:r>
+              <a:rPr lang="en-US" altLang="zh-CN" sz="1800" dirty="0"/>
+              <a:t>	</a:t>
+            </a:r>
+            <a:r>
+              <a:rPr lang="zh-CN" altLang="en-US" sz="1800" dirty="0" smtClean="0"/>
+              <a:t>不能以数字开头</a:t>
+            </a:r>
+            <a:endParaRPr lang="en-US" altLang="zh-CN" sz="1800" dirty="0" smtClean="0"/>
+          </a:p>
+          <a:p>
+            <a:pPr marL="0" indent="0">
+              <a:buNone/>
+            </a:pPr>
+            <a:r>
+              <a:rPr lang="en-US" altLang="zh-CN" sz="1800" dirty="0"/>
+              <a:t>	</a:t>
+            </a:r>
+            <a:r>
+              <a:rPr lang="zh-CN" altLang="en-US" sz="1800" dirty="0" smtClean="0"/>
+              <a:t>大小写敏感</a:t>
+            </a:r>
+            <a:endParaRPr lang="en-US" altLang="zh-CN" sz="1800" dirty="0" smtClean="0"/>
+          </a:p>
+          <a:p>
+            <a:r>
+              <a:rPr lang="zh-CN" altLang="en-US" sz="1800" dirty="0" smtClean="0"/>
+              <a:t>内置类型</a:t>
+            </a:r>
+            <a:r>
+              <a:rPr lang="zh-CN" altLang="en-US" sz="1800" dirty="0" smtClean="0"/>
+              <a:t>，也称为基础类型</a:t>
+            </a:r>
+            <a:endParaRPr lang="en-US" altLang="zh-CN" sz="1800" dirty="0" smtClean="0"/>
+          </a:p>
+          <a:p>
+            <a:pPr marL="0" indent="0">
+              <a:buNone/>
+            </a:pPr>
+            <a:r>
+              <a:rPr lang="en-US" altLang="zh-CN" sz="1800" dirty="0"/>
+              <a:t>	</a:t>
+            </a:r>
+            <a:r>
+              <a:rPr lang="en-US" altLang="zh-CN" sz="1800" dirty="0" smtClean="0"/>
+              <a:t>int	0, 1, 256, -10000</a:t>
+            </a:r>
+          </a:p>
+          <a:p>
+            <a:pPr marL="0" indent="0">
+              <a:buNone/>
+            </a:pPr>
+            <a:r>
+              <a:rPr lang="en-US" altLang="zh-CN" sz="1800" dirty="0"/>
+              <a:t>	</a:t>
+            </a:r>
+            <a:r>
+              <a:rPr lang="en-US" altLang="zh-CN" sz="1800" dirty="0" smtClean="0"/>
+              <a:t>boolean	true, false</a:t>
+            </a:r>
+          </a:p>
+          <a:p>
+            <a:pPr marL="0" indent="0">
+              <a:buNone/>
+            </a:pPr>
+            <a:r>
+              <a:rPr lang="en-US" altLang="zh-CN" sz="1800" dirty="0"/>
+              <a:t>	</a:t>
+            </a:r>
+            <a:r>
+              <a:rPr lang="en-US" altLang="zh-CN" sz="1800" dirty="0" smtClean="0"/>
+              <a:t>double	3.14, -123.456</a:t>
+            </a:r>
+          </a:p>
+          <a:p>
+            <a:pPr marL="0" indent="0">
+              <a:buNone/>
+            </a:pPr>
+            <a:r>
+              <a:rPr lang="en-US" altLang="zh-CN" sz="1800" dirty="0"/>
+              <a:t>	</a:t>
+            </a:r>
+            <a:r>
+              <a:rPr lang="zh-CN" altLang="en-US" sz="1800" dirty="0"/>
+              <a:t>浮点</a:t>
+            </a:r>
+            <a:r>
+              <a:rPr lang="zh-CN" altLang="en-US" sz="1800" dirty="0" smtClean="0"/>
+              <a:t>数的舍入误差（</a:t>
+            </a:r>
+            <a:r>
+              <a:rPr lang="en-US" altLang="zh-CN" sz="1800" dirty="0"/>
+              <a:t> round-off error </a:t>
+            </a:r>
+            <a:r>
+              <a:rPr lang="zh-CN" altLang="en-US" sz="1800" dirty="0" smtClean="0"/>
+              <a:t>）</a:t>
+            </a:r>
+            <a:endParaRPr lang="en-US" altLang="zh-CN" sz="1800" dirty="0" smtClean="0"/>
+          </a:p>
+          <a:p>
+            <a:pPr marL="0" indent="0">
+              <a:buNone/>
+            </a:pPr>
+            <a:r>
+              <a:rPr lang="en-US" altLang="zh-CN" sz="1800" dirty="0"/>
+              <a:t>	</a:t>
+            </a:r>
+            <a:r>
+              <a:rPr lang="zh-CN" altLang="en-US" sz="1800" dirty="0" smtClean="0"/>
+              <a:t>具体用法参考代码实例</a:t>
+            </a:r>
+            <a:endParaRPr lang="en-US" altLang="zh-CN" sz="1800" dirty="0" smtClean="0"/>
+          </a:p>
+          <a:p>
+            <a:pPr marL="0" indent="0">
+              <a:buNone/>
+            </a:pPr>
+            <a:r>
+              <a:rPr lang="en-US" altLang="zh-CN" sz="1800" dirty="0"/>
+              <a:t>	</a:t>
+            </a:r>
+            <a:r>
+              <a:rPr lang="zh-CN" altLang="en-US" sz="1800" dirty="0"/>
+              <a:t>练</a:t>
+            </a:r>
+            <a:r>
+              <a:rPr lang="zh-CN" altLang="en-US" sz="1800" dirty="0" smtClean="0"/>
+              <a:t>习：</a:t>
+            </a:r>
+            <a:endParaRPr lang="en-US" altLang="zh-CN" sz="1800" dirty="0" smtClean="0"/>
+          </a:p>
+          <a:p>
+            <a:pPr marL="0" indent="0">
+              <a:buNone/>
+            </a:pPr>
+            <a:r>
+              <a:rPr lang="en-US" altLang="zh-CN" sz="1800" dirty="0"/>
+              <a:t>	</a:t>
+            </a:r>
+            <a:r>
+              <a:rPr lang="zh-CN" altLang="en-US" sz="1800" dirty="0" smtClean="0"/>
+              <a:t>定义一个值为</a:t>
+            </a:r>
+            <a:r>
+              <a:rPr lang="en-US" altLang="zh-CN" sz="1800" dirty="0" smtClean="0"/>
+              <a:t>10</a:t>
+            </a:r>
+            <a:r>
+              <a:rPr lang="zh-CN" altLang="en-US" sz="1800" dirty="0" smtClean="0"/>
+              <a:t>的</a:t>
+            </a:r>
+            <a:r>
+              <a:rPr lang="en-US" altLang="zh-CN" sz="1800" dirty="0" smtClean="0"/>
+              <a:t>int</a:t>
+            </a:r>
+            <a:r>
+              <a:rPr lang="zh-CN" altLang="en-US" sz="1800" dirty="0" smtClean="0"/>
+              <a:t>变量</a:t>
+            </a:r>
+            <a:r>
+              <a:rPr lang="en-US" altLang="zh-CN" sz="1800" dirty="0"/>
+              <a:t>x</a:t>
+            </a:r>
+            <a:r>
+              <a:rPr lang="zh-CN" altLang="en-US" sz="1800" dirty="0" smtClean="0"/>
+              <a:t>和一个值为</a:t>
+            </a:r>
+            <a:r>
+              <a:rPr lang="en-US" altLang="zh-CN" sz="1800" dirty="0" smtClean="0"/>
+              <a:t>20.5</a:t>
+            </a:r>
+            <a:r>
+              <a:rPr lang="zh-CN" altLang="en-US" sz="1800" dirty="0" smtClean="0"/>
+              <a:t>的</a:t>
+            </a:r>
+            <a:r>
+              <a:rPr lang="en-US" altLang="zh-CN" sz="1800" dirty="0" smtClean="0"/>
+              <a:t>double</a:t>
+            </a:r>
+            <a:r>
+              <a:rPr lang="zh-CN" altLang="en-US" sz="1800" dirty="0" smtClean="0"/>
+              <a:t>型变量</a:t>
+            </a:r>
+            <a:r>
+              <a:rPr lang="en-US" altLang="zh-CN" sz="1800" dirty="0"/>
+              <a:t>y</a:t>
+            </a:r>
+            <a:r>
+              <a:rPr lang="zh-CN" altLang="en-US" sz="1800" dirty="0" smtClean="0"/>
+              <a:t>，定义两个</a:t>
+            </a:r>
+            <a:r>
+              <a:rPr lang="en-US" altLang="zh-CN" sz="1800" dirty="0" smtClean="0"/>
+              <a:t>int</a:t>
+            </a:r>
+            <a:r>
+              <a:rPr lang="zh-CN" altLang="en-US" sz="1800" dirty="0" smtClean="0"/>
+              <a:t>型变量</a:t>
+            </a:r>
+            <a:r>
+              <a:rPr lang="en-US" altLang="zh-CN" sz="1800" dirty="0" smtClean="0"/>
+              <a:t>a</a:t>
+            </a:r>
+            <a:r>
+              <a:rPr lang="zh-CN" altLang="en-US" sz="1800" dirty="0"/>
+              <a:t>、</a:t>
+            </a:r>
+            <a:r>
+              <a:rPr lang="en-US" altLang="zh-CN" sz="1800" dirty="0" smtClean="0"/>
+              <a:t>b</a:t>
+            </a:r>
+            <a:r>
+              <a:rPr lang="zh-CN" altLang="en-US" sz="1800" dirty="0" smtClean="0"/>
+              <a:t>和两个</a:t>
+            </a:r>
+            <a:r>
+              <a:rPr lang="en-US" altLang="zh-CN" sz="1800" dirty="0" smtClean="0"/>
+              <a:t>double</a:t>
+            </a:r>
+            <a:r>
+              <a:rPr lang="zh-CN" altLang="en-US" sz="1800" dirty="0" smtClean="0"/>
+              <a:t>型变量</a:t>
+            </a:r>
+            <a:r>
+              <a:rPr lang="en-US" altLang="zh-CN" sz="1800" dirty="0" smtClean="0"/>
+              <a:t>c</a:t>
+            </a:r>
+            <a:r>
+              <a:rPr lang="zh-CN" altLang="en-US" sz="1800" dirty="0" smtClean="0"/>
+              <a:t>、</a:t>
+            </a:r>
+            <a:r>
+              <a:rPr lang="en-US" altLang="zh-CN" sz="1800" dirty="0" smtClean="0"/>
+              <a:t>d</a:t>
+            </a:r>
+            <a:r>
+              <a:rPr lang="zh-CN" altLang="en-US" sz="1800" dirty="0" smtClean="0"/>
+              <a:t>，</a:t>
+            </a:r>
+            <a:r>
+              <a:rPr lang="en-US" altLang="zh-CN" sz="1800" dirty="0" smtClean="0"/>
+              <a:t>a</a:t>
+            </a:r>
+            <a:r>
+              <a:rPr lang="zh-CN" altLang="en-US" sz="1800" dirty="0" smtClean="0"/>
+              <a:t>和</a:t>
+            </a:r>
+            <a:r>
+              <a:rPr lang="en-US" altLang="zh-CN" sz="1800" dirty="0" smtClean="0"/>
+              <a:t>c</a:t>
+            </a:r>
+            <a:r>
+              <a:rPr lang="zh-CN" altLang="en-US" sz="1800" dirty="0" smtClean="0"/>
+              <a:t>是</a:t>
+            </a:r>
+            <a:r>
+              <a:rPr lang="en-US" altLang="zh-CN" sz="1800" dirty="0" smtClean="0"/>
+              <a:t>y</a:t>
+            </a:r>
+            <a:r>
+              <a:rPr lang="zh-CN" altLang="en-US" sz="1800" dirty="0" smtClean="0"/>
+              <a:t>除以</a:t>
+            </a:r>
+            <a:r>
+              <a:rPr lang="en-US" altLang="zh-CN" sz="1800" dirty="0"/>
+              <a:t>x</a:t>
+            </a:r>
+            <a:r>
+              <a:rPr lang="zh-CN" altLang="en-US" sz="1800" dirty="0" smtClean="0"/>
+              <a:t>的值，</a:t>
+            </a:r>
+            <a:r>
+              <a:rPr lang="en-US" altLang="zh-CN" sz="1800" dirty="0" smtClean="0"/>
+              <a:t>b</a:t>
+            </a:r>
+            <a:r>
+              <a:rPr lang="zh-CN" altLang="en-US" sz="1800" dirty="0" smtClean="0"/>
+              <a:t>和</a:t>
+            </a:r>
+            <a:r>
+              <a:rPr lang="en-US" altLang="zh-CN" sz="1800" dirty="0" smtClean="0"/>
+              <a:t>d</a:t>
+            </a:r>
+            <a:r>
+              <a:rPr lang="zh-CN" altLang="en-US" sz="1800" dirty="0" smtClean="0"/>
+              <a:t>是</a:t>
+            </a:r>
+            <a:r>
+              <a:rPr lang="en-US" altLang="zh-CN" sz="1800" dirty="0" smtClean="0"/>
+              <a:t>x</a:t>
+            </a:r>
+            <a:r>
+              <a:rPr lang="zh-CN" altLang="en-US" sz="1800" dirty="0" smtClean="0"/>
+              <a:t>、</a:t>
+            </a:r>
+            <a:r>
+              <a:rPr lang="en-US" altLang="zh-CN" sz="1800" dirty="0" smtClean="0"/>
+              <a:t>y</a:t>
+            </a:r>
+            <a:r>
+              <a:rPr lang="zh-CN" altLang="en-US" sz="1800" dirty="0" smtClean="0"/>
+              <a:t>、</a:t>
+            </a:r>
+            <a:r>
+              <a:rPr lang="en-US" altLang="zh-CN" sz="1800" dirty="0"/>
+              <a:t>a</a:t>
+            </a:r>
+            <a:r>
+              <a:rPr lang="zh-CN" altLang="en-US" sz="1800" dirty="0" smtClean="0"/>
+              <a:t>、</a:t>
+            </a:r>
+            <a:r>
+              <a:rPr lang="en-US" altLang="zh-CN" sz="1800" dirty="0"/>
+              <a:t>c</a:t>
+            </a:r>
+            <a:r>
+              <a:rPr lang="zh-CN" altLang="en-US" sz="1800" dirty="0" smtClean="0"/>
+              <a:t>四个值的和</a:t>
             </a:r>
             <a:endParaRPr lang="zh-CN" altLang="en-US" sz="1800" dirty="0"/>
           </a:p>
@@ -3372,6 +3746,566 @@
       </p:par>
     </p:tnLst>
   </p:timing>
+</p:sld>
+</file>
+
+<file path=ppt/slides/slide3.xml><?xml version="1.0" encoding="utf-8"?>
+<p:sld xmlns:a="http://schemas.openxmlformats.org/drawingml/2006/main" xmlns:r="http://schemas.openxmlformats.org/officeDocument/2006/relationships" xmlns:p="http://schemas.openxmlformats.org/presentationml/2006/main">
+  <p:cSld>
+    <p:spTree>
+      <p:nvGrpSpPr>
+        <p:cNvPr id="1" name=""/>
+        <p:cNvGrpSpPr/>
+        <p:nvPr/>
+      </p:nvGrpSpPr>
+      <p:grpSpPr>
+        <a:xfrm>
+          <a:off x="0" y="0"/>
+          <a:ext cx="0" cy="0"/>
+          <a:chOff x="0" y="0"/>
+          <a:chExt cx="0" cy="0"/>
+        </a:xfrm>
+      </p:grpSpPr>
+      <p:sp>
+        <p:nvSpPr>
+          <p:cNvPr id="3" name="内容占位符 2"/>
+          <p:cNvSpPr>
+            <a:spLocks noGrp="1"/>
+          </p:cNvSpPr>
+          <p:nvPr>
+            <p:ph idx="1"/>
+          </p:nvPr>
+        </p:nvSpPr>
+        <p:spPr>
+          <a:xfrm>
+            <a:off x="457200" y="404664"/>
+            <a:ext cx="8229600" cy="5721499"/>
+          </a:xfrm>
+        </p:spPr>
+        <p:txBody>
+          <a:bodyPr>
+            <a:normAutofit/>
+          </a:bodyPr>
+          <a:lstStyle/>
+          <a:p>
+            <a:r>
+              <a:rPr lang="en-US" altLang="zh-CN" sz="1800" dirty="0" smtClean="0"/>
+              <a:t>Int</a:t>
+            </a:r>
+            <a:r>
+              <a:rPr lang="zh-CN" altLang="en-US" sz="1800" dirty="0" smtClean="0"/>
+              <a:t>类型数值储存</a:t>
+            </a:r>
+            <a:endParaRPr lang="en-US" altLang="zh-CN" sz="1800" dirty="0" smtClean="0"/>
+          </a:p>
+          <a:p>
+            <a:pPr marL="0" indent="0">
+              <a:buNone/>
+            </a:pPr>
+            <a:r>
+              <a:rPr lang="en-US" altLang="zh-CN" sz="1800" dirty="0" smtClean="0"/>
+              <a:t>	</a:t>
+            </a:r>
+            <a:r>
+              <a:rPr lang="zh-CN" altLang="en-US" sz="1800" dirty="0" smtClean="0"/>
+              <a:t>十进制数转二进制：</a:t>
+            </a:r>
+            <a:endParaRPr lang="en-US" altLang="zh-CN" sz="1800" dirty="0" smtClean="0"/>
+          </a:p>
+          <a:p>
+            <a:pPr marL="0" indent="0">
+              <a:buNone/>
+            </a:pPr>
+            <a:r>
+              <a:rPr lang="en-US" altLang="zh-CN" sz="1800" dirty="0"/>
+              <a:t>	</a:t>
+            </a:r>
+            <a:r>
+              <a:rPr lang="en-US" altLang="zh-CN" sz="1800" dirty="0" smtClean="0"/>
+              <a:t>8</a:t>
+            </a:r>
+            <a:r>
+              <a:rPr lang="zh-CN" altLang="en-US" sz="1800" dirty="0" smtClean="0"/>
+              <a:t>：</a:t>
+            </a:r>
+            <a:r>
+              <a:rPr lang="en-US" altLang="zh-CN" sz="1800" dirty="0" smtClean="0"/>
+              <a:t>	1000</a:t>
+            </a:r>
+          </a:p>
+          <a:p>
+            <a:pPr marL="0" indent="0">
+              <a:buNone/>
+            </a:pPr>
+            <a:r>
+              <a:rPr lang="en-US" altLang="zh-CN" sz="1800" dirty="0"/>
+              <a:t>	</a:t>
+            </a:r>
+            <a:r>
+              <a:rPr lang="en-US" altLang="zh-CN" sz="1800" dirty="0" smtClean="0"/>
+              <a:t>10</a:t>
+            </a:r>
+            <a:r>
+              <a:rPr lang="zh-CN" altLang="en-US" sz="1800" dirty="0" smtClean="0"/>
+              <a:t>：</a:t>
+            </a:r>
+            <a:r>
+              <a:rPr lang="en-US" altLang="zh-CN" sz="1800" dirty="0" smtClean="0"/>
+              <a:t>	1010</a:t>
+            </a:r>
+          </a:p>
+          <a:p>
+            <a:pPr marL="0" indent="0">
+              <a:buNone/>
+            </a:pPr>
+            <a:r>
+              <a:rPr lang="en-US" altLang="zh-CN" sz="1800" dirty="0"/>
+              <a:t>	</a:t>
+            </a:r>
+            <a:r>
+              <a:rPr lang="zh-CN" altLang="en-US" sz="1800" dirty="0" smtClean="0"/>
+              <a:t>二进制转</a:t>
+            </a:r>
+            <a:r>
+              <a:rPr lang="zh-CN" altLang="en-US" sz="1800" dirty="0"/>
+              <a:t>十进</a:t>
+            </a:r>
+            <a:r>
+              <a:rPr lang="zh-CN" altLang="en-US" sz="1800" dirty="0" smtClean="0"/>
+              <a:t>制：</a:t>
+            </a:r>
+            <a:endParaRPr lang="en-US" altLang="zh-CN" sz="1800" dirty="0" smtClean="0"/>
+          </a:p>
+          <a:p>
+            <a:pPr marL="0" indent="0">
+              <a:buNone/>
+            </a:pPr>
+            <a:r>
+              <a:rPr lang="en-US" altLang="zh-CN" sz="1800" dirty="0"/>
+              <a:t>	</a:t>
+            </a:r>
+            <a:r>
+              <a:rPr lang="en-US" altLang="zh-CN" sz="1800" dirty="0" smtClean="0"/>
+              <a:t>1111</a:t>
+            </a:r>
+            <a:r>
+              <a:rPr lang="zh-CN" altLang="en-US" sz="1800" dirty="0" smtClean="0"/>
+              <a:t>：</a:t>
+            </a:r>
+            <a:r>
+              <a:rPr lang="en-US" altLang="zh-CN" sz="1800" dirty="0" smtClean="0"/>
+              <a:t>	15</a:t>
+            </a:r>
+          </a:p>
+          <a:p>
+            <a:pPr marL="0" indent="0">
+              <a:buNone/>
+            </a:pPr>
+            <a:r>
+              <a:rPr lang="en-US" altLang="zh-CN" sz="1800" dirty="0"/>
+              <a:t>	</a:t>
+            </a:r>
+            <a:r>
+              <a:rPr lang="en-US" altLang="zh-CN" sz="1800" dirty="0" smtClean="0"/>
+              <a:t>0011</a:t>
+            </a:r>
+            <a:r>
+              <a:rPr lang="zh-CN" altLang="en-US" sz="1800" dirty="0" smtClean="0"/>
+              <a:t>：</a:t>
+            </a:r>
+            <a:r>
+              <a:rPr lang="en-US" altLang="zh-CN" sz="1800" dirty="0" smtClean="0"/>
+              <a:t>	3</a:t>
+            </a:r>
+          </a:p>
+          <a:p>
+            <a:pPr marL="0" indent="0">
+              <a:buNone/>
+            </a:pPr>
+            <a:r>
+              <a:rPr lang="en-US" altLang="zh-CN" sz="1800" dirty="0"/>
+              <a:t>	</a:t>
+            </a:r>
+            <a:r>
+              <a:rPr lang="en-US" altLang="zh-CN" sz="1800" dirty="0" smtClean="0"/>
+              <a:t>Integer.MIN_VALUE</a:t>
+            </a:r>
+          </a:p>
+          <a:p>
+            <a:pPr marL="0" indent="0">
+              <a:buNone/>
+            </a:pPr>
+            <a:r>
+              <a:rPr lang="en-US" altLang="zh-CN" sz="1800" dirty="0"/>
+              <a:t>	</a:t>
+            </a:r>
+            <a:r>
+              <a:rPr lang="en-US" altLang="zh-CN" sz="1800" dirty="0" smtClean="0"/>
+              <a:t>Interger.MAX_VALUE</a:t>
+            </a:r>
+          </a:p>
+          <a:p>
+            <a:r>
+              <a:rPr lang="en-US" altLang="zh-CN" sz="1800" dirty="0"/>
+              <a:t>d</a:t>
+            </a:r>
+            <a:r>
+              <a:rPr lang="en-US" altLang="zh-CN" sz="1800" dirty="0" smtClean="0"/>
+              <a:t>ouble</a:t>
+            </a:r>
+            <a:r>
+              <a:rPr lang="zh-CN" altLang="en-US" sz="1800" dirty="0" smtClean="0"/>
+              <a:t>类型数值储存</a:t>
+            </a:r>
+            <a:endParaRPr lang="en-US" altLang="zh-CN" sz="1800" dirty="0" smtClean="0"/>
+          </a:p>
+          <a:p>
+            <a:pPr marL="0" indent="0">
+              <a:buNone/>
+            </a:pPr>
+            <a:r>
+              <a:rPr lang="en-US" altLang="zh-CN" sz="1800" dirty="0"/>
+              <a:t>	</a:t>
+            </a:r>
+            <a:r>
+              <a:rPr lang="zh-CN" altLang="en-US" sz="1800" dirty="0" smtClean="0"/>
+              <a:t>按照二进制的科学记数法表示：</a:t>
+            </a:r>
+            <a:r>
+              <a:rPr lang="en-US" altLang="zh-CN" sz="1800" dirty="0" smtClean="0"/>
+              <a:t>1.xxx*2</a:t>
+            </a:r>
+            <a:r>
+              <a:rPr lang="en-US" altLang="zh-CN" sz="1800" baseline="30000" dirty="0" smtClean="0"/>
+              <a:t>n</a:t>
+            </a:r>
+            <a:endParaRPr lang="en-US" altLang="zh-CN" sz="1800" dirty="0"/>
+          </a:p>
+          <a:p>
+            <a:pPr marL="0" indent="0">
+              <a:buNone/>
+            </a:pPr>
+            <a:r>
+              <a:rPr lang="en-US" altLang="zh-CN" sz="1800" dirty="0"/>
+              <a:t>	52</a:t>
+            </a:r>
+            <a:r>
+              <a:rPr lang="zh-CN" altLang="en-US" sz="1800" dirty="0"/>
+              <a:t>位小数部</a:t>
+            </a:r>
+            <a:r>
+              <a:rPr lang="zh-CN" altLang="en-US" sz="1800" dirty="0" smtClean="0"/>
+              <a:t>分</a:t>
+            </a:r>
+            <a:endParaRPr lang="en-US" altLang="zh-CN" sz="1800" baseline="30000" dirty="0" smtClean="0"/>
+          </a:p>
+          <a:p>
+            <a:pPr marL="0" indent="0">
+              <a:buNone/>
+            </a:pPr>
+            <a:r>
+              <a:rPr lang="en-US" altLang="zh-CN" sz="1800" dirty="0" smtClean="0"/>
+              <a:t>	11</a:t>
+            </a:r>
+            <a:r>
+              <a:rPr lang="zh-CN" altLang="en-US" sz="1800" dirty="0" smtClean="0"/>
+              <a:t>位指数部分</a:t>
+            </a:r>
+            <a:endParaRPr lang="en-US" altLang="zh-CN" sz="1800" dirty="0" smtClean="0"/>
+          </a:p>
+          <a:p>
+            <a:pPr marL="0" indent="0">
+              <a:buNone/>
+            </a:pPr>
+            <a:r>
+              <a:rPr lang="en-US" altLang="zh-CN" sz="1800" dirty="0"/>
+              <a:t>	</a:t>
+            </a:r>
+            <a:r>
+              <a:rPr lang="en-US" altLang="zh-CN" sz="1800" dirty="0" smtClean="0"/>
+              <a:t>1</a:t>
+            </a:r>
+            <a:r>
+              <a:rPr lang="zh-CN" altLang="en-US" sz="1800" dirty="0" smtClean="0"/>
+              <a:t>位符号位</a:t>
+            </a:r>
+            <a:endParaRPr lang="en-US" altLang="zh-CN" sz="1800" dirty="0" smtClean="0"/>
+          </a:p>
+          <a:p>
+            <a:pPr marL="0" indent="0">
+              <a:buNone/>
+            </a:pPr>
+            <a:r>
+              <a:rPr lang="en-US" altLang="zh-CN" sz="1800" dirty="0"/>
+              <a:t>	</a:t>
+            </a:r>
+            <a:r>
+              <a:rPr lang="zh-CN" altLang="en-US" sz="1800" dirty="0"/>
+              <a:t>具</a:t>
+            </a:r>
+            <a:r>
+              <a:rPr lang="zh-CN" altLang="en-US" sz="1800" dirty="0" smtClean="0"/>
+              <a:t>体换算不做要求</a:t>
+            </a:r>
+            <a:endParaRPr lang="en-US" altLang="zh-CN" sz="1800" dirty="0" smtClean="0"/>
+          </a:p>
+        </p:txBody>
+      </p:sp>
+    </p:spTree>
+    <p:extLst>
+      <p:ext uri="{BB962C8B-B14F-4D97-AF65-F5344CB8AC3E}">
+        <p14:creationId xmlns:p14="http://schemas.microsoft.com/office/powerpoint/2010/main" val="1740364424"/>
+      </p:ext>
+    </p:extLst>
+  </p:cSld>
+  <p:clrMapOvr>
+    <a:masterClrMapping/>
+  </p:clrMapOvr>
+  <p:timing>
+    <p:tnLst>
+      <p:par>
+        <p:cTn id="1" dur="indefinite" restart="never" nodeType="tmRoot"/>
+      </p:par>
+    </p:tnLst>
+  </p:timing>
+</p:sld>
+</file>
+
+<file path=ppt/slides/slide4.xml><?xml version="1.0" encoding="utf-8"?>
+<p:sld xmlns:a="http://schemas.openxmlformats.org/drawingml/2006/main" xmlns:r="http://schemas.openxmlformats.org/officeDocument/2006/relationships" xmlns:p="http://schemas.openxmlformats.org/presentationml/2006/main">
+  <p:cSld>
+    <p:spTree>
+      <p:nvGrpSpPr>
+        <p:cNvPr id="1" name=""/>
+        <p:cNvGrpSpPr/>
+        <p:nvPr/>
+      </p:nvGrpSpPr>
+      <p:grpSpPr>
+        <a:xfrm>
+          <a:off x="0" y="0"/>
+          <a:ext cx="0" cy="0"/>
+          <a:chOff x="0" y="0"/>
+          <a:chExt cx="0" cy="0"/>
+        </a:xfrm>
+      </p:grpSpPr>
+      <p:sp>
+        <p:nvSpPr>
+          <p:cNvPr id="3" name="内容占位符 2"/>
+          <p:cNvSpPr>
+            <a:spLocks noGrp="1"/>
+          </p:cNvSpPr>
+          <p:nvPr>
+            <p:ph idx="1"/>
+          </p:nvPr>
+        </p:nvSpPr>
+        <p:spPr>
+          <a:xfrm>
+            <a:off x="457200" y="404664"/>
+            <a:ext cx="8229600" cy="5721499"/>
+          </a:xfrm>
+        </p:spPr>
+        <p:txBody>
+          <a:bodyPr>
+            <a:normAutofit/>
+          </a:bodyPr>
+          <a:lstStyle/>
+          <a:p>
+            <a:r>
+              <a:rPr lang="zh-CN" altLang="en-US" sz="1800" dirty="0" smtClean="0"/>
+              <a:t>十六进制数和八进制数</a:t>
+            </a:r>
+            <a:endParaRPr lang="en-US" altLang="zh-CN" sz="1800" dirty="0"/>
+          </a:p>
+          <a:p>
+            <a:r>
+              <a:rPr lang="en-US" altLang="zh-CN" sz="1800" dirty="0" smtClean="0"/>
+              <a:t>final</a:t>
+            </a:r>
+            <a:r>
+              <a:rPr lang="zh-CN" altLang="en-US" sz="1800" dirty="0"/>
+              <a:t>关键字</a:t>
+            </a:r>
+            <a:endParaRPr lang="en-US" altLang="zh-CN" sz="1800" dirty="0"/>
+          </a:p>
+          <a:p>
+            <a:pPr marL="0" indent="0">
+              <a:buNone/>
+            </a:pPr>
+            <a:r>
+              <a:rPr lang="en-US" altLang="zh-CN" sz="1800" dirty="0"/>
+              <a:t>	final</a:t>
+            </a:r>
+            <a:r>
+              <a:rPr lang="zh-CN" altLang="en-US" sz="1800" dirty="0"/>
+              <a:t>声明的变量只能赋值一次：</a:t>
+            </a:r>
+            <a:endParaRPr lang="en-US" altLang="zh-CN" sz="1800" dirty="0"/>
+          </a:p>
+          <a:p>
+            <a:pPr marL="0" indent="0">
+              <a:buNone/>
+            </a:pPr>
+            <a:r>
+              <a:rPr lang="en-US" altLang="zh-CN" sz="1800" dirty="0"/>
+              <a:t>	final int x = 0;</a:t>
+            </a:r>
+          </a:p>
+          <a:p>
+            <a:pPr marL="0" indent="0">
+              <a:buNone/>
+            </a:pPr>
+            <a:r>
+              <a:rPr lang="en-US" altLang="zh-CN" sz="1800" dirty="0"/>
+              <a:t>	final in y;</a:t>
+            </a:r>
+          </a:p>
+          <a:p>
+            <a:pPr marL="0" indent="0">
+              <a:buNone/>
+            </a:pPr>
+            <a:r>
+              <a:rPr lang="en-US" altLang="zh-CN" sz="1800" dirty="0"/>
+              <a:t>	y = 1;</a:t>
+            </a:r>
+            <a:endParaRPr lang="zh-CN" altLang="en-US" sz="1800" dirty="0"/>
+          </a:p>
+          <a:p>
+            <a:endParaRPr lang="en-US" altLang="zh-CN" sz="1800" dirty="0" smtClean="0"/>
+          </a:p>
+          <a:p>
+            <a:r>
+              <a:rPr lang="zh-CN" altLang="en-US" sz="1800" dirty="0"/>
+              <a:t>运算</a:t>
+            </a:r>
+            <a:r>
+              <a:rPr lang="zh-CN" altLang="en-US" sz="1800" dirty="0" smtClean="0"/>
+              <a:t>符</a:t>
+            </a:r>
+            <a:endParaRPr lang="en-US" altLang="zh-CN" sz="1800" dirty="0" smtClean="0"/>
+          </a:p>
+          <a:p>
+            <a:pPr marL="0" indent="0">
+              <a:buNone/>
+            </a:pPr>
+            <a:r>
+              <a:rPr lang="en-US" altLang="zh-CN" sz="1800" dirty="0"/>
+              <a:t>	</a:t>
+            </a:r>
+            <a:r>
+              <a:rPr lang="en-US" altLang="zh-CN" sz="1800" dirty="0" smtClean="0"/>
+              <a:t>+</a:t>
+            </a:r>
+          </a:p>
+          <a:p>
+            <a:pPr marL="0" indent="0">
+              <a:buNone/>
+            </a:pPr>
+            <a:r>
+              <a:rPr lang="en-US" altLang="zh-CN" sz="1800" dirty="0"/>
+              <a:t>	</a:t>
+            </a:r>
+            <a:r>
+              <a:rPr lang="en-US" altLang="zh-CN" sz="1800" dirty="0" smtClean="0"/>
+              <a:t>-</a:t>
+            </a:r>
+          </a:p>
+          <a:p>
+            <a:pPr marL="0" indent="0">
+              <a:buNone/>
+            </a:pPr>
+            <a:r>
+              <a:rPr lang="en-US" altLang="zh-CN" sz="1800" dirty="0"/>
+              <a:t>	</a:t>
+            </a:r>
+            <a:r>
+              <a:rPr lang="zh-CN" altLang="en-US" sz="1800" dirty="0" smtClean="0"/>
+              <a:t>*</a:t>
+            </a:r>
+            <a:endParaRPr lang="en-US" altLang="zh-CN" sz="1800" dirty="0" smtClean="0"/>
+          </a:p>
+          <a:p>
+            <a:pPr marL="0" indent="0">
+              <a:buNone/>
+            </a:pPr>
+            <a:r>
+              <a:rPr lang="en-US" altLang="zh-CN" sz="1800" dirty="0"/>
+              <a:t>	</a:t>
+            </a:r>
+            <a:r>
+              <a:rPr lang="en-US" altLang="zh-CN" sz="1800" dirty="0" smtClean="0"/>
+              <a:t>/</a:t>
+            </a:r>
+          </a:p>
+          <a:p>
+            <a:pPr marL="0" indent="0">
+              <a:buNone/>
+            </a:pPr>
+            <a:r>
+              <a:rPr lang="en-US" altLang="zh-CN" sz="1800" dirty="0"/>
+              <a:t>	</a:t>
+            </a:r>
+            <a:r>
+              <a:rPr lang="en-US" altLang="zh-CN" sz="1800" dirty="0" smtClean="0"/>
+              <a:t>%</a:t>
+            </a:r>
+          </a:p>
+          <a:p>
+            <a:pPr marL="0" indent="0">
+              <a:buNone/>
+            </a:pPr>
+            <a:r>
+              <a:rPr lang="en-US" altLang="zh-CN" sz="1800" dirty="0"/>
+              <a:t>	</a:t>
+            </a:r>
+            <a:r>
+              <a:rPr lang="zh-CN" altLang="en-US" sz="1800" dirty="0"/>
+              <a:t>练</a:t>
+            </a:r>
+            <a:r>
+              <a:rPr lang="zh-CN" altLang="en-US" sz="1800" dirty="0" smtClean="0"/>
+              <a:t>习：</a:t>
+            </a:r>
+            <a:endParaRPr lang="en-US" altLang="zh-CN" sz="1800" dirty="0" smtClean="0"/>
+          </a:p>
+          <a:p>
+            <a:pPr marL="0" indent="0">
+              <a:buNone/>
+            </a:pPr>
+            <a:r>
+              <a:rPr lang="en-US" altLang="zh-CN" sz="1800" dirty="0"/>
+              <a:t>	</a:t>
+            </a:r>
+            <a:r>
+              <a:rPr lang="en-US" altLang="zh-CN" sz="1800" dirty="0" smtClean="0"/>
+              <a:t>11 / 3 = ?</a:t>
+            </a:r>
+          </a:p>
+          <a:p>
+            <a:pPr marL="0" indent="0">
+              <a:buNone/>
+            </a:pPr>
+            <a:r>
+              <a:rPr lang="en-US" altLang="zh-CN" sz="1800" dirty="0"/>
+              <a:t>	2</a:t>
+            </a:r>
+            <a:r>
+              <a:rPr lang="en-US" altLang="zh-CN" sz="1800" dirty="0" smtClean="0"/>
+              <a:t> % 3 = ?</a:t>
+            </a:r>
+            <a:endParaRPr lang="zh-CN" altLang="en-US" sz="1800" dirty="0"/>
+          </a:p>
+        </p:txBody>
+      </p:sp>
+    </p:spTree>
+    <p:extLst>
+      <p:ext uri="{BB962C8B-B14F-4D97-AF65-F5344CB8AC3E}">
+        <p14:creationId xmlns:p14="http://schemas.microsoft.com/office/powerpoint/2010/main" val="3752538717"/>
+      </p:ext>
+    </p:extLst>
+  </p:cSld>
+  <p:clrMapOvr>
+    <a:masterClrMapping/>
+  </p:clrMapOvr>
 </p:sld>
 </file>
 
